--- a/horiwaki/Report/ReportFigure.pptx
+++ b/horiwaki/Report/ReportFigure.pptx
@@ -6,6 +6,7 @@
   </p:sldMasterIdLst>
   <p:sldIdLst>
     <p:sldId id="256" r:id="rId2"/>
+    <p:sldId id="257" r:id="rId3"/>
   </p:sldIdLst>
   <p:sldSz cx="12192000" cy="6858000"/>
   <p:notesSz cx="6858000" cy="9144000"/>
@@ -104,6 +105,11 @@
       </a:defRPr>
     </a:lvl9pPr>
   </p:defaultTextStyle>
+  <p:extLst>
+    <p:ext uri="{EFAFB233-063F-42B5-8137-9DF3F51BA10A}">
+      <p15:sldGuideLst xmlns:p15="http://schemas.microsoft.com/office/powerpoint/2012/main"/>
+    </p:ext>
+  </p:extLst>
 </p:presentation>
 </file>
 
@@ -254,7 +260,7 @@
           <a:p>
             <a:fld id="{07E53BFD-4762-45AA-B6E3-F4A9AFAC8E20}" type="datetimeFigureOut">
               <a:rPr kumimoji="1" lang="ja-JP" altLang="en-US" smtClean="0"/>
-              <a:t>2020/2/5</a:t>
+              <a:t>2020/2/9</a:t>
             </a:fld>
             <a:endParaRPr kumimoji="1" lang="ja-JP" altLang="en-US"/>
           </a:p>
@@ -484,7 +490,7 @@
           <a:p>
             <a:fld id="{07E53BFD-4762-45AA-B6E3-F4A9AFAC8E20}" type="datetimeFigureOut">
               <a:rPr kumimoji="1" lang="ja-JP" altLang="en-US" smtClean="0"/>
-              <a:t>2020/2/5</a:t>
+              <a:t>2020/2/9</a:t>
             </a:fld>
             <a:endParaRPr kumimoji="1" lang="ja-JP" altLang="en-US"/>
           </a:p>
@@ -724,7 +730,7 @@
           <a:p>
             <a:fld id="{07E53BFD-4762-45AA-B6E3-F4A9AFAC8E20}" type="datetimeFigureOut">
               <a:rPr kumimoji="1" lang="ja-JP" altLang="en-US" smtClean="0"/>
-              <a:t>2020/2/5</a:t>
+              <a:t>2020/2/9</a:t>
             </a:fld>
             <a:endParaRPr kumimoji="1" lang="ja-JP" altLang="en-US"/>
           </a:p>
@@ -954,7 +960,7 @@
           <a:p>
             <a:fld id="{07E53BFD-4762-45AA-B6E3-F4A9AFAC8E20}" type="datetimeFigureOut">
               <a:rPr kumimoji="1" lang="ja-JP" altLang="en-US" smtClean="0"/>
-              <a:t>2020/2/5</a:t>
+              <a:t>2020/2/9</a:t>
             </a:fld>
             <a:endParaRPr kumimoji="1" lang="ja-JP" altLang="en-US"/>
           </a:p>
@@ -1229,7 +1235,7 @@
           <a:p>
             <a:fld id="{07E53BFD-4762-45AA-B6E3-F4A9AFAC8E20}" type="datetimeFigureOut">
               <a:rPr kumimoji="1" lang="ja-JP" altLang="en-US" smtClean="0"/>
-              <a:t>2020/2/5</a:t>
+              <a:t>2020/2/9</a:t>
             </a:fld>
             <a:endParaRPr kumimoji="1" lang="ja-JP" altLang="en-US"/>
           </a:p>
@@ -1558,7 +1564,7 @@
           <a:p>
             <a:fld id="{07E53BFD-4762-45AA-B6E3-F4A9AFAC8E20}" type="datetimeFigureOut">
               <a:rPr kumimoji="1" lang="ja-JP" altLang="en-US" smtClean="0"/>
-              <a:t>2020/2/5</a:t>
+              <a:t>2020/2/9</a:t>
             </a:fld>
             <a:endParaRPr kumimoji="1" lang="ja-JP" altLang="en-US"/>
           </a:p>
@@ -2034,7 +2040,7 @@
           <a:p>
             <a:fld id="{07E53BFD-4762-45AA-B6E3-F4A9AFAC8E20}" type="datetimeFigureOut">
               <a:rPr kumimoji="1" lang="ja-JP" altLang="en-US" smtClean="0"/>
-              <a:t>2020/2/5</a:t>
+              <a:t>2020/2/9</a:t>
             </a:fld>
             <a:endParaRPr kumimoji="1" lang="ja-JP" altLang="en-US"/>
           </a:p>
@@ -2175,7 +2181,7 @@
           <a:p>
             <a:fld id="{07E53BFD-4762-45AA-B6E3-F4A9AFAC8E20}" type="datetimeFigureOut">
               <a:rPr kumimoji="1" lang="ja-JP" altLang="en-US" smtClean="0"/>
-              <a:t>2020/2/5</a:t>
+              <a:t>2020/2/9</a:t>
             </a:fld>
             <a:endParaRPr kumimoji="1" lang="ja-JP" altLang="en-US"/>
           </a:p>
@@ -2288,7 +2294,7 @@
           <a:p>
             <a:fld id="{07E53BFD-4762-45AA-B6E3-F4A9AFAC8E20}" type="datetimeFigureOut">
               <a:rPr kumimoji="1" lang="ja-JP" altLang="en-US" smtClean="0"/>
-              <a:t>2020/2/5</a:t>
+              <a:t>2020/2/9</a:t>
             </a:fld>
             <a:endParaRPr kumimoji="1" lang="ja-JP" altLang="en-US"/>
           </a:p>
@@ -2631,7 +2637,7 @@
           <a:p>
             <a:fld id="{07E53BFD-4762-45AA-B6E3-F4A9AFAC8E20}" type="datetimeFigureOut">
               <a:rPr kumimoji="1" lang="ja-JP" altLang="en-US" smtClean="0"/>
-              <a:t>2020/2/5</a:t>
+              <a:t>2020/2/9</a:t>
             </a:fld>
             <a:endParaRPr kumimoji="1" lang="ja-JP" altLang="en-US"/>
           </a:p>
@@ -2919,7 +2925,7 @@
           <a:p>
             <a:fld id="{07E53BFD-4762-45AA-B6E3-F4A9AFAC8E20}" type="datetimeFigureOut">
               <a:rPr kumimoji="1" lang="ja-JP" altLang="en-US" smtClean="0"/>
-              <a:t>2020/2/5</a:t>
+              <a:t>2020/2/9</a:t>
             </a:fld>
             <a:endParaRPr kumimoji="1" lang="ja-JP" altLang="en-US"/>
           </a:p>
@@ -3192,7 +3198,7 @@
           <a:p>
             <a:fld id="{07E53BFD-4762-45AA-B6E3-F4A9AFAC8E20}" type="datetimeFigureOut">
               <a:rPr kumimoji="1" lang="ja-JP" altLang="en-US" smtClean="0"/>
-              <a:t>2020/2/5</a:t>
+              <a:t>2020/2/9</a:t>
             </a:fld>
             <a:endParaRPr kumimoji="1" lang="ja-JP" altLang="en-US"/>
           </a:p>
@@ -5671,7 +5677,7 @@
         </p:nvSpPr>
         <p:spPr>
           <a:xfrm>
-            <a:off x="10406640" y="2282504"/>
+            <a:off x="10480113" y="5458859"/>
             <a:ext cx="1415772" cy="584775"/>
           </a:xfrm>
           <a:prstGeom prst="rect">
@@ -5787,7 +5793,7 @@
         </p:nvSpPr>
         <p:spPr>
           <a:xfrm>
-            <a:off x="10335523" y="2646420"/>
+            <a:off x="10335523" y="5828204"/>
             <a:ext cx="245854" cy="211944"/>
           </a:xfrm>
           <a:prstGeom prst="triangle">
@@ -5869,6 +5875,558 @@
     <p:extLst>
       <p:ext uri="{BB962C8B-B14F-4D97-AF65-F5344CB8AC3E}">
         <p14:creationId xmlns:p14="http://schemas.microsoft.com/office/powerpoint/2010/main" val="1220315137"/>
+      </p:ext>
+    </p:extLst>
+  </p:cSld>
+  <p:clrMapOvr>
+    <a:masterClrMapping/>
+  </p:clrMapOvr>
+</p:sld>
+</file>
+
+<file path=ppt/slides/slide2.xml><?xml version="1.0" encoding="utf-8"?>
+<p:sld xmlns:a="http://schemas.openxmlformats.org/drawingml/2006/main" xmlns:r="http://schemas.openxmlformats.org/officeDocument/2006/relationships" xmlns:p="http://schemas.openxmlformats.org/presentationml/2006/main">
+  <p:cSld>
+    <p:spTree>
+      <p:nvGrpSpPr>
+        <p:cNvPr id="1" name=""/>
+        <p:cNvGrpSpPr/>
+        <p:nvPr/>
+      </p:nvGrpSpPr>
+      <p:grpSpPr>
+        <a:xfrm>
+          <a:off x="0" y="0"/>
+          <a:ext cx="0" cy="0"/>
+          <a:chOff x="0" y="0"/>
+          <a:chExt cx="0" cy="0"/>
+        </a:xfrm>
+      </p:grpSpPr>
+      <p:grpSp>
+        <p:nvGrpSpPr>
+          <p:cNvPr id="28" name="グループ化 27">
+            <a:extLst>
+              <a:ext uri="{FF2B5EF4-FFF2-40B4-BE49-F238E27FC236}">
+                <a16:creationId xmlns:a16="http://schemas.microsoft.com/office/drawing/2014/main" id="{6DBF9A62-9266-47FA-AA61-BBA943576F28}"/>
+              </a:ext>
+            </a:extLst>
+          </p:cNvPr>
+          <p:cNvGrpSpPr/>
+          <p:nvPr/>
+        </p:nvGrpSpPr>
+        <p:grpSpPr>
+          <a:xfrm>
+            <a:off x="2044700" y="114300"/>
+            <a:ext cx="2501900" cy="5207000"/>
+            <a:chOff x="2044700" y="114300"/>
+            <a:chExt cx="2501900" cy="5207000"/>
+          </a:xfrm>
+        </p:grpSpPr>
+        <p:sp>
+          <p:nvSpPr>
+            <p:cNvPr id="5" name="正方形/長方形 4">
+              <a:extLst>
+                <a:ext uri="{FF2B5EF4-FFF2-40B4-BE49-F238E27FC236}">
+                  <a16:creationId xmlns:a16="http://schemas.microsoft.com/office/drawing/2014/main" id="{1F8061F6-956B-47EB-A31C-FCCDFF060FA8}"/>
+                </a:ext>
+              </a:extLst>
+            </p:cNvPr>
+            <p:cNvSpPr/>
+            <p:nvPr/>
+          </p:nvSpPr>
+          <p:spPr>
+            <a:xfrm>
+              <a:off x="2044700" y="889000"/>
+              <a:ext cx="2501900" cy="508000"/>
+            </a:xfrm>
+            <a:prstGeom prst="rect">
+              <a:avLst/>
+            </a:prstGeom>
+          </p:spPr>
+          <p:style>
+            <a:lnRef idx="2">
+              <a:schemeClr val="dk1"/>
+            </a:lnRef>
+            <a:fillRef idx="1">
+              <a:schemeClr val="lt1"/>
+            </a:fillRef>
+            <a:effectRef idx="0">
+              <a:schemeClr val="dk1"/>
+            </a:effectRef>
+            <a:fontRef idx="minor">
+              <a:schemeClr val="dk1"/>
+            </a:fontRef>
+          </p:style>
+          <p:txBody>
+            <a:bodyPr rtlCol="0" anchor="ctr"/>
+            <a:lstStyle/>
+            <a:p>
+              <a:pPr algn="ctr"/>
+              <a:r>
+                <a:rPr kumimoji="1" lang="ja-JP" altLang="en-US" dirty="0"/>
+                <a:t>ビジネス要件の確認</a:t>
+              </a:r>
+            </a:p>
+          </p:txBody>
+        </p:sp>
+        <p:sp>
+          <p:nvSpPr>
+            <p:cNvPr id="6" name="正方形/長方形 5">
+              <a:extLst>
+                <a:ext uri="{FF2B5EF4-FFF2-40B4-BE49-F238E27FC236}">
+                  <a16:creationId xmlns:a16="http://schemas.microsoft.com/office/drawing/2014/main" id="{D9274F9A-80A7-4357-96E9-4C99F58E5A0D}"/>
+                </a:ext>
+              </a:extLst>
+            </p:cNvPr>
+            <p:cNvSpPr/>
+            <p:nvPr/>
+          </p:nvSpPr>
+          <p:spPr>
+            <a:xfrm>
+              <a:off x="2044700" y="1917700"/>
+              <a:ext cx="2501900" cy="508000"/>
+            </a:xfrm>
+            <a:prstGeom prst="rect">
+              <a:avLst/>
+            </a:prstGeom>
+          </p:spPr>
+          <p:style>
+            <a:lnRef idx="2">
+              <a:schemeClr val="dk1"/>
+            </a:lnRef>
+            <a:fillRef idx="1">
+              <a:schemeClr val="lt1"/>
+            </a:fillRef>
+            <a:effectRef idx="0">
+              <a:schemeClr val="dk1"/>
+            </a:effectRef>
+            <a:fontRef idx="minor">
+              <a:schemeClr val="dk1"/>
+            </a:fontRef>
+          </p:style>
+          <p:txBody>
+            <a:bodyPr rtlCol="0" anchor="ctr"/>
+            <a:lstStyle/>
+            <a:p>
+              <a:pPr algn="ctr"/>
+              <a:r>
+                <a:rPr lang="ja-JP" altLang="en-US" dirty="0"/>
+                <a:t>データセットによる</a:t>
+              </a:r>
+              <a:endParaRPr lang="en-US" altLang="ja-JP" dirty="0"/>
+            </a:p>
+            <a:p>
+              <a:pPr algn="ctr"/>
+              <a:r>
+                <a:rPr lang="ja-JP" altLang="en-US" dirty="0"/>
+                <a:t>パターン選択</a:t>
+              </a:r>
+              <a:endParaRPr kumimoji="1" lang="ja-JP" altLang="en-US" dirty="0"/>
+            </a:p>
+          </p:txBody>
+        </p:sp>
+        <p:sp>
+          <p:nvSpPr>
+            <p:cNvPr id="7" name="正方形/長方形 6">
+              <a:extLst>
+                <a:ext uri="{FF2B5EF4-FFF2-40B4-BE49-F238E27FC236}">
+                  <a16:creationId xmlns:a16="http://schemas.microsoft.com/office/drawing/2014/main" id="{F9F646A3-8630-424B-BDB4-61F4A011CF11}"/>
+                </a:ext>
+              </a:extLst>
+            </p:cNvPr>
+            <p:cNvSpPr/>
+            <p:nvPr/>
+          </p:nvSpPr>
+          <p:spPr>
+            <a:xfrm>
+              <a:off x="2044700" y="2946400"/>
+              <a:ext cx="2501900" cy="508000"/>
+            </a:xfrm>
+            <a:prstGeom prst="rect">
+              <a:avLst/>
+            </a:prstGeom>
+          </p:spPr>
+          <p:style>
+            <a:lnRef idx="2">
+              <a:schemeClr val="dk1"/>
+            </a:lnRef>
+            <a:fillRef idx="1">
+              <a:schemeClr val="lt1"/>
+            </a:fillRef>
+            <a:effectRef idx="0">
+              <a:schemeClr val="dk1"/>
+            </a:effectRef>
+            <a:fontRef idx="minor">
+              <a:schemeClr val="dk1"/>
+            </a:fontRef>
+          </p:style>
+          <p:txBody>
+            <a:bodyPr rtlCol="0" anchor="ctr"/>
+            <a:lstStyle/>
+            <a:p>
+              <a:pPr algn="ctr"/>
+              <a:r>
+                <a:rPr kumimoji="1" lang="ja-JP" altLang="en-US" dirty="0"/>
+                <a:t>アーキテクチャによる</a:t>
+              </a:r>
+              <a:r>
+                <a:rPr lang="ja-JP" altLang="en-US" dirty="0"/>
+                <a:t>パターン選択</a:t>
+              </a:r>
+              <a:endParaRPr kumimoji="1" lang="ja-JP" altLang="en-US" dirty="0"/>
+            </a:p>
+          </p:txBody>
+        </p:sp>
+        <p:sp>
+          <p:nvSpPr>
+            <p:cNvPr id="8" name="正方形/長方形 7">
+              <a:extLst>
+                <a:ext uri="{FF2B5EF4-FFF2-40B4-BE49-F238E27FC236}">
+                  <a16:creationId xmlns:a16="http://schemas.microsoft.com/office/drawing/2014/main" id="{961AC48B-7522-4EA1-B366-FB876356513A}"/>
+                </a:ext>
+              </a:extLst>
+            </p:cNvPr>
+            <p:cNvSpPr/>
+            <p:nvPr/>
+          </p:nvSpPr>
+          <p:spPr>
+            <a:xfrm>
+              <a:off x="2044700" y="3924301"/>
+              <a:ext cx="2501900" cy="508000"/>
+            </a:xfrm>
+            <a:prstGeom prst="rect">
+              <a:avLst/>
+            </a:prstGeom>
+          </p:spPr>
+          <p:style>
+            <a:lnRef idx="2">
+              <a:schemeClr val="dk1"/>
+            </a:lnRef>
+            <a:fillRef idx="1">
+              <a:schemeClr val="lt1"/>
+            </a:fillRef>
+            <a:effectRef idx="0">
+              <a:schemeClr val="dk1"/>
+            </a:effectRef>
+            <a:fontRef idx="minor">
+              <a:schemeClr val="dk1"/>
+            </a:fontRef>
+          </p:style>
+          <p:txBody>
+            <a:bodyPr rtlCol="0" anchor="ctr"/>
+            <a:lstStyle/>
+            <a:p>
+              <a:pPr algn="ctr"/>
+              <a:r>
+                <a:rPr kumimoji="1" lang="ja-JP" altLang="en-US" dirty="0"/>
+                <a:t>モデルの構築・検証</a:t>
+              </a:r>
+            </a:p>
+          </p:txBody>
+        </p:sp>
+        <p:sp>
+          <p:nvSpPr>
+            <p:cNvPr id="11" name="フローチャート: 端子 10">
+              <a:extLst>
+                <a:ext uri="{FF2B5EF4-FFF2-40B4-BE49-F238E27FC236}">
+                  <a16:creationId xmlns:a16="http://schemas.microsoft.com/office/drawing/2014/main" id="{2DD11F27-1743-4F22-A817-D4007AD804AF}"/>
+                </a:ext>
+              </a:extLst>
+            </p:cNvPr>
+            <p:cNvSpPr/>
+            <p:nvPr/>
+          </p:nvSpPr>
+          <p:spPr>
+            <a:xfrm>
+              <a:off x="2044700" y="114300"/>
+              <a:ext cx="2501900" cy="508000"/>
+            </a:xfrm>
+            <a:prstGeom prst="flowChartTerminator">
+              <a:avLst/>
+            </a:prstGeom>
+          </p:spPr>
+          <p:style>
+            <a:lnRef idx="2">
+              <a:schemeClr val="dk1"/>
+            </a:lnRef>
+            <a:fillRef idx="1">
+              <a:schemeClr val="lt1"/>
+            </a:fillRef>
+            <a:effectRef idx="0">
+              <a:schemeClr val="dk1"/>
+            </a:effectRef>
+            <a:fontRef idx="minor">
+              <a:schemeClr val="dk1"/>
+            </a:fontRef>
+          </p:style>
+          <p:txBody>
+            <a:bodyPr rtlCol="0" anchor="ctr"/>
+            <a:lstStyle/>
+            <a:p>
+              <a:pPr algn="ctr"/>
+              <a:r>
+                <a:rPr kumimoji="1" lang="ja-JP" altLang="en-US" dirty="0"/>
+                <a:t>開始</a:t>
+              </a:r>
+            </a:p>
+          </p:txBody>
+        </p:sp>
+        <p:sp>
+          <p:nvSpPr>
+            <p:cNvPr id="12" name="フローチャート: 端子 11">
+              <a:extLst>
+                <a:ext uri="{FF2B5EF4-FFF2-40B4-BE49-F238E27FC236}">
+                  <a16:creationId xmlns:a16="http://schemas.microsoft.com/office/drawing/2014/main" id="{9D876385-F367-446E-9208-490FADBEFDBC}"/>
+                </a:ext>
+              </a:extLst>
+            </p:cNvPr>
+            <p:cNvSpPr/>
+            <p:nvPr/>
+          </p:nvSpPr>
+          <p:spPr>
+            <a:xfrm>
+              <a:off x="2044700" y="4813300"/>
+              <a:ext cx="2501900" cy="508000"/>
+            </a:xfrm>
+            <a:prstGeom prst="flowChartTerminator">
+              <a:avLst/>
+            </a:prstGeom>
+          </p:spPr>
+          <p:style>
+            <a:lnRef idx="2">
+              <a:schemeClr val="dk1"/>
+            </a:lnRef>
+            <a:fillRef idx="1">
+              <a:schemeClr val="lt1"/>
+            </a:fillRef>
+            <a:effectRef idx="0">
+              <a:schemeClr val="dk1"/>
+            </a:effectRef>
+            <a:fontRef idx="minor">
+              <a:schemeClr val="dk1"/>
+            </a:fontRef>
+          </p:style>
+          <p:txBody>
+            <a:bodyPr rtlCol="0" anchor="ctr"/>
+            <a:lstStyle/>
+            <a:p>
+              <a:pPr algn="ctr"/>
+              <a:r>
+                <a:rPr kumimoji="1" lang="ja-JP" altLang="en-US" dirty="0"/>
+                <a:t>終了</a:t>
+              </a:r>
+            </a:p>
+          </p:txBody>
+        </p:sp>
+        <p:cxnSp>
+          <p:nvCxnSpPr>
+            <p:cNvPr id="14" name="直線矢印コネクタ 13">
+              <a:extLst>
+                <a:ext uri="{FF2B5EF4-FFF2-40B4-BE49-F238E27FC236}">
+                  <a16:creationId xmlns:a16="http://schemas.microsoft.com/office/drawing/2014/main" id="{C659A26E-E543-4507-BD94-39272FA0EB2E}"/>
+                </a:ext>
+              </a:extLst>
+            </p:cNvPr>
+            <p:cNvCxnSpPr>
+              <a:cxnSpLocks/>
+            </p:cNvCxnSpPr>
+            <p:nvPr/>
+          </p:nvCxnSpPr>
+          <p:spPr>
+            <a:xfrm>
+              <a:off x="3295650" y="622300"/>
+              <a:ext cx="0" cy="266700"/>
+            </a:xfrm>
+            <a:prstGeom prst="straightConnector1">
+              <a:avLst/>
+            </a:prstGeom>
+            <a:ln>
+              <a:tailEnd type="triangle"/>
+            </a:ln>
+          </p:spPr>
+          <p:style>
+            <a:lnRef idx="2">
+              <a:schemeClr val="dk1"/>
+            </a:lnRef>
+            <a:fillRef idx="1">
+              <a:schemeClr val="lt1"/>
+            </a:fillRef>
+            <a:effectRef idx="0">
+              <a:schemeClr val="dk1"/>
+            </a:effectRef>
+            <a:fontRef idx="minor">
+              <a:schemeClr val="dk1"/>
+            </a:fontRef>
+          </p:style>
+        </p:cxnSp>
+        <p:cxnSp>
+          <p:nvCxnSpPr>
+            <p:cNvPr id="15" name="直線矢印コネクタ 14">
+              <a:extLst>
+                <a:ext uri="{FF2B5EF4-FFF2-40B4-BE49-F238E27FC236}">
+                  <a16:creationId xmlns:a16="http://schemas.microsoft.com/office/drawing/2014/main" id="{1E43BC75-6449-48E2-9E45-E4F32D453414}"/>
+                </a:ext>
+              </a:extLst>
+            </p:cNvPr>
+            <p:cNvCxnSpPr>
+              <a:cxnSpLocks/>
+            </p:cNvCxnSpPr>
+            <p:nvPr/>
+          </p:nvCxnSpPr>
+          <p:spPr>
+            <a:xfrm>
+              <a:off x="3295650" y="1397000"/>
+              <a:ext cx="0" cy="520700"/>
+            </a:xfrm>
+            <a:prstGeom prst="straightConnector1">
+              <a:avLst/>
+            </a:prstGeom>
+            <a:ln>
+              <a:tailEnd type="triangle"/>
+            </a:ln>
+          </p:spPr>
+          <p:style>
+            <a:lnRef idx="2">
+              <a:schemeClr val="dk1"/>
+            </a:lnRef>
+            <a:fillRef idx="1">
+              <a:schemeClr val="lt1"/>
+            </a:fillRef>
+            <a:effectRef idx="0">
+              <a:schemeClr val="dk1"/>
+            </a:effectRef>
+            <a:fontRef idx="minor">
+              <a:schemeClr val="dk1"/>
+            </a:fontRef>
+          </p:style>
+        </p:cxnSp>
+        <p:cxnSp>
+          <p:nvCxnSpPr>
+            <p:cNvPr id="19" name="直線矢印コネクタ 18">
+              <a:extLst>
+                <a:ext uri="{FF2B5EF4-FFF2-40B4-BE49-F238E27FC236}">
+                  <a16:creationId xmlns:a16="http://schemas.microsoft.com/office/drawing/2014/main" id="{D56C3258-EA3A-4EB5-8F40-49EAE827DAE6}"/>
+                </a:ext>
+              </a:extLst>
+            </p:cNvPr>
+            <p:cNvCxnSpPr>
+              <a:cxnSpLocks/>
+            </p:cNvCxnSpPr>
+            <p:nvPr/>
+          </p:nvCxnSpPr>
+          <p:spPr>
+            <a:xfrm>
+              <a:off x="3295650" y="2425700"/>
+              <a:ext cx="0" cy="520700"/>
+            </a:xfrm>
+            <a:prstGeom prst="straightConnector1">
+              <a:avLst/>
+            </a:prstGeom>
+            <a:ln>
+              <a:tailEnd type="triangle"/>
+            </a:ln>
+          </p:spPr>
+          <p:style>
+            <a:lnRef idx="2">
+              <a:schemeClr val="dk1"/>
+            </a:lnRef>
+            <a:fillRef idx="1">
+              <a:schemeClr val="lt1"/>
+            </a:fillRef>
+            <a:effectRef idx="0">
+              <a:schemeClr val="dk1"/>
+            </a:effectRef>
+            <a:fontRef idx="minor">
+              <a:schemeClr val="dk1"/>
+            </a:fontRef>
+          </p:style>
+        </p:cxnSp>
+        <p:cxnSp>
+          <p:nvCxnSpPr>
+            <p:cNvPr id="22" name="直線矢印コネクタ 21">
+              <a:extLst>
+                <a:ext uri="{FF2B5EF4-FFF2-40B4-BE49-F238E27FC236}">
+                  <a16:creationId xmlns:a16="http://schemas.microsoft.com/office/drawing/2014/main" id="{7A293CCF-143E-434A-B604-B06E0C5BC85E}"/>
+                </a:ext>
+              </a:extLst>
+            </p:cNvPr>
+            <p:cNvCxnSpPr>
+              <a:cxnSpLocks/>
+            </p:cNvCxnSpPr>
+            <p:nvPr/>
+          </p:nvCxnSpPr>
+          <p:spPr>
+            <a:xfrm>
+              <a:off x="3295650" y="3454400"/>
+              <a:ext cx="0" cy="469901"/>
+            </a:xfrm>
+            <a:prstGeom prst="straightConnector1">
+              <a:avLst/>
+            </a:prstGeom>
+            <a:ln>
+              <a:tailEnd type="triangle"/>
+            </a:ln>
+          </p:spPr>
+          <p:style>
+            <a:lnRef idx="2">
+              <a:schemeClr val="dk1"/>
+            </a:lnRef>
+            <a:fillRef idx="1">
+              <a:schemeClr val="lt1"/>
+            </a:fillRef>
+            <a:effectRef idx="0">
+              <a:schemeClr val="dk1"/>
+            </a:effectRef>
+            <a:fontRef idx="minor">
+              <a:schemeClr val="dk1"/>
+            </a:fontRef>
+          </p:style>
+        </p:cxnSp>
+        <p:cxnSp>
+          <p:nvCxnSpPr>
+            <p:cNvPr id="25" name="直線矢印コネクタ 24">
+              <a:extLst>
+                <a:ext uri="{FF2B5EF4-FFF2-40B4-BE49-F238E27FC236}">
+                  <a16:creationId xmlns:a16="http://schemas.microsoft.com/office/drawing/2014/main" id="{33FF42CD-91C6-477D-8F72-50C01B2646FB}"/>
+                </a:ext>
+              </a:extLst>
+            </p:cNvPr>
+            <p:cNvCxnSpPr>
+              <a:cxnSpLocks/>
+            </p:cNvCxnSpPr>
+            <p:nvPr/>
+          </p:nvCxnSpPr>
+          <p:spPr>
+            <a:xfrm>
+              <a:off x="3295650" y="4432301"/>
+              <a:ext cx="0" cy="380999"/>
+            </a:xfrm>
+            <a:prstGeom prst="straightConnector1">
+              <a:avLst/>
+            </a:prstGeom>
+            <a:ln>
+              <a:tailEnd type="triangle"/>
+            </a:ln>
+          </p:spPr>
+          <p:style>
+            <a:lnRef idx="2">
+              <a:schemeClr val="dk1"/>
+            </a:lnRef>
+            <a:fillRef idx="1">
+              <a:schemeClr val="lt1"/>
+            </a:fillRef>
+            <a:effectRef idx="0">
+              <a:schemeClr val="dk1"/>
+            </a:effectRef>
+            <a:fontRef idx="minor">
+              <a:schemeClr val="dk1"/>
+            </a:fontRef>
+          </p:style>
+        </p:cxnSp>
+      </p:grpSp>
+    </p:spTree>
+    <p:extLst>
+      <p:ext uri="{BB962C8B-B14F-4D97-AF65-F5344CB8AC3E}">
+        <p14:creationId xmlns:p14="http://schemas.microsoft.com/office/powerpoint/2010/main" val="4243960968"/>
       </p:ext>
     </p:extLst>
   </p:cSld>
